--- a/slides/04-HTML-CSS-JS.pptx
+++ b/slides/04-HTML-CSS-JS.pptx
@@ -5,7 +5,7 @@
     <p:sldMasterId id="2147483660" r:id="rId1"/>
   </p:sldMasterIdLst>
   <p:notesMasterIdLst>
-    <p:notesMasterId r:id="rId12"/>
+    <p:notesMasterId r:id="rId14"/>
   </p:notesMasterIdLst>
   <p:sldIdLst>
     <p:sldId id="256" r:id="rId2"/>
@@ -16,8 +16,10 @@
     <p:sldId id="261" r:id="rId7"/>
     <p:sldId id="262" r:id="rId8"/>
     <p:sldId id="263" r:id="rId9"/>
-    <p:sldId id="264" r:id="rId10"/>
-    <p:sldId id="265" r:id="rId11"/>
+    <p:sldId id="266" r:id="rId10"/>
+    <p:sldId id="264" r:id="rId11"/>
+    <p:sldId id="265" r:id="rId12"/>
+    <p:sldId id="267" r:id="rId13"/>
   </p:sldIdLst>
   <p:sldSz cx="12192000" cy="6858000"/>
   <p:notesSz cx="6858000" cy="9144000"/>
@@ -6399,6 +6401,114 @@
         <p:cNvPr id="1" name="">
           <a:extLst>
             <a:ext uri="{FF2B5EF4-FFF2-40B4-BE49-F238E27FC236}">
+              <a16:creationId xmlns:a16="http://schemas.microsoft.com/office/drawing/2014/main" id="{D5B03342-99D6-7DEC-5C88-EFD4B4E5E76E}"/>
+            </a:ext>
+          </a:extLst>
+        </p:cNvPr>
+        <p:cNvGrpSpPr/>
+        <p:nvPr/>
+      </p:nvGrpSpPr>
+      <p:grpSpPr>
+        <a:xfrm>
+          <a:off x="0" y="0"/>
+          <a:ext cx="0" cy="0"/>
+          <a:chOff x="0" y="0"/>
+          <a:chExt cx="0" cy="0"/>
+        </a:xfrm>
+      </p:grpSpPr>
+      <p:sp>
+        <p:nvSpPr>
+          <p:cNvPr id="2" name="Slide Image Placeholder 1">
+            <a:extLst>
+              <a:ext uri="{FF2B5EF4-FFF2-40B4-BE49-F238E27FC236}">
+                <a16:creationId xmlns:a16="http://schemas.microsoft.com/office/drawing/2014/main" id="{CE2AD864-E2E3-D9A1-5979-CA86CA940240}"/>
+              </a:ext>
+            </a:extLst>
+          </p:cNvPr>
+          <p:cNvSpPr>
+            <a:spLocks noGrp="1" noRot="1" noChangeAspect="1"/>
+          </p:cNvSpPr>
+          <p:nvPr>
+            <p:ph type="sldImg"/>
+          </p:nvPr>
+        </p:nvSpPr>
+        <p:spPr/>
+      </p:sp>
+      <p:sp>
+        <p:nvSpPr>
+          <p:cNvPr id="3" name="Notes Placeholder 2">
+            <a:extLst>
+              <a:ext uri="{FF2B5EF4-FFF2-40B4-BE49-F238E27FC236}">
+                <a16:creationId xmlns:a16="http://schemas.microsoft.com/office/drawing/2014/main" id="{C9F88890-59EF-CBE7-84D4-3278A3BB3522}"/>
+              </a:ext>
+            </a:extLst>
+          </p:cNvPr>
+          <p:cNvSpPr>
+            <a:spLocks noGrp="1"/>
+          </p:cNvSpPr>
+          <p:nvPr>
+            <p:ph type="body" idx="1"/>
+          </p:nvPr>
+        </p:nvSpPr>
+        <p:spPr/>
+        <p:txBody>
+          <a:bodyPr/>
+          <a:lstStyle/>
+          <a:p>
+            <a:endParaRPr lang="en-US" dirty="0"/>
+          </a:p>
+        </p:txBody>
+      </p:sp>
+      <p:sp>
+        <p:nvSpPr>
+          <p:cNvPr id="4" name="Slide Number Placeholder 3">
+            <a:extLst>
+              <a:ext uri="{FF2B5EF4-FFF2-40B4-BE49-F238E27FC236}">
+                <a16:creationId xmlns:a16="http://schemas.microsoft.com/office/drawing/2014/main" id="{6AD2BC9D-7197-5C0A-0905-5BDED6D91390}"/>
+              </a:ext>
+            </a:extLst>
+          </p:cNvPr>
+          <p:cNvSpPr>
+            <a:spLocks noGrp="1"/>
+          </p:cNvSpPr>
+          <p:nvPr>
+            <p:ph type="sldNum" sz="quarter" idx="5"/>
+          </p:nvPr>
+        </p:nvSpPr>
+        <p:spPr/>
+        <p:txBody>
+          <a:bodyPr/>
+          <a:lstStyle/>
+          <a:p>
+            <a:fld id="{362CD335-F0CB-D347-B8A5-7AB70F34C34F}" type="slidenum">
+              <a:rPr lang="en-US" smtClean="0"/>
+              <a:t>9</a:t>
+            </a:fld>
+            <a:endParaRPr lang="en-US"/>
+          </a:p>
+        </p:txBody>
+      </p:sp>
+    </p:spTree>
+    <p:extLst>
+      <p:ext uri="{BB962C8B-B14F-4D97-AF65-F5344CB8AC3E}">
+        <p14:creationId xmlns:p14="http://schemas.microsoft.com/office/powerpoint/2010/main" val="2947021528"/>
+      </p:ext>
+    </p:extLst>
+  </p:cSld>
+  <p:clrMapOvr>
+    <a:masterClrMapping/>
+  </p:clrMapOvr>
+</p:notes>
+</file>
+
+<file path=ppt/notesSlides/notesSlide4.xml><?xml version="1.0" encoding="utf-8"?>
+<p:notes xmlns:a="http://schemas.openxmlformats.org/drawingml/2006/main" xmlns:r="http://schemas.openxmlformats.org/officeDocument/2006/relationships" xmlns:p="http://schemas.openxmlformats.org/presentationml/2006/main">
+  <p:cSld>
+    <p:spTree>
+      <p:nvGrpSpPr>
+        <p:cNvPr id="1" name="">
+          <a:extLst>
+            <a:ext uri="{FF2B5EF4-FFF2-40B4-BE49-F238E27FC236}">
               <a16:creationId xmlns:a16="http://schemas.microsoft.com/office/drawing/2014/main" id="{169755A5-E7AA-26B3-3132-E807C782F34D}"/>
             </a:ext>
           </a:extLst>
@@ -6480,7 +6590,7 @@
           <a:p>
             <a:fld id="{362CD335-F0CB-D347-B8A5-7AB70F34C34F}" type="slidenum">
               <a:rPr lang="en-US" smtClean="0"/>
-              <a:t>9</a:t>
+              <a:t>10</a:t>
             </a:fld>
             <a:endParaRPr lang="en-US"/>
           </a:p>
@@ -6499,7 +6609,7 @@
 </p:notes>
 </file>
 
-<file path=ppt/notesSlides/notesSlide4.xml><?xml version="1.0" encoding="utf-8"?>
+<file path=ppt/notesSlides/notesSlide5.xml><?xml version="1.0" encoding="utf-8"?>
 <p:notes xmlns:a="http://schemas.openxmlformats.org/drawingml/2006/main" xmlns:r="http://schemas.openxmlformats.org/officeDocument/2006/relationships" xmlns:p="http://schemas.openxmlformats.org/presentationml/2006/main">
   <p:cSld>
     <p:spTree>
@@ -6588,7 +6698,7 @@
           <a:p>
             <a:fld id="{362CD335-F0CB-D347-B8A5-7AB70F34C34F}" type="slidenum">
               <a:rPr lang="en-US" smtClean="0"/>
-              <a:t>10</a:t>
+              <a:t>11</a:t>
             </a:fld>
             <a:endParaRPr lang="en-US"/>
           </a:p>
@@ -6598,6 +6708,114 @@
     <p:extLst>
       <p:ext uri="{BB962C8B-B14F-4D97-AF65-F5344CB8AC3E}">
         <p14:creationId xmlns:p14="http://schemas.microsoft.com/office/powerpoint/2010/main" val="3761522564"/>
+      </p:ext>
+    </p:extLst>
+  </p:cSld>
+  <p:clrMapOvr>
+    <a:masterClrMapping/>
+  </p:clrMapOvr>
+</p:notes>
+</file>
+
+<file path=ppt/notesSlides/notesSlide6.xml><?xml version="1.0" encoding="utf-8"?>
+<p:notes xmlns:a="http://schemas.openxmlformats.org/drawingml/2006/main" xmlns:r="http://schemas.openxmlformats.org/officeDocument/2006/relationships" xmlns:p="http://schemas.openxmlformats.org/presentationml/2006/main">
+  <p:cSld>
+    <p:spTree>
+      <p:nvGrpSpPr>
+        <p:cNvPr id="1" name="">
+          <a:extLst>
+            <a:ext uri="{FF2B5EF4-FFF2-40B4-BE49-F238E27FC236}">
+              <a16:creationId xmlns:a16="http://schemas.microsoft.com/office/drawing/2014/main" id="{C81373F6-8AA2-8AF7-1C2D-CA0C5324DAD7}"/>
+            </a:ext>
+          </a:extLst>
+        </p:cNvPr>
+        <p:cNvGrpSpPr/>
+        <p:nvPr/>
+      </p:nvGrpSpPr>
+      <p:grpSpPr>
+        <a:xfrm>
+          <a:off x="0" y="0"/>
+          <a:ext cx="0" cy="0"/>
+          <a:chOff x="0" y="0"/>
+          <a:chExt cx="0" cy="0"/>
+        </a:xfrm>
+      </p:grpSpPr>
+      <p:sp>
+        <p:nvSpPr>
+          <p:cNvPr id="2" name="Slide Image Placeholder 1">
+            <a:extLst>
+              <a:ext uri="{FF2B5EF4-FFF2-40B4-BE49-F238E27FC236}">
+                <a16:creationId xmlns:a16="http://schemas.microsoft.com/office/drawing/2014/main" id="{0E3A665B-AC0E-1A75-54F0-B7FBC9E98A42}"/>
+              </a:ext>
+            </a:extLst>
+          </p:cNvPr>
+          <p:cNvSpPr>
+            <a:spLocks noGrp="1" noRot="1" noChangeAspect="1"/>
+          </p:cNvSpPr>
+          <p:nvPr>
+            <p:ph type="sldImg"/>
+          </p:nvPr>
+        </p:nvSpPr>
+        <p:spPr/>
+      </p:sp>
+      <p:sp>
+        <p:nvSpPr>
+          <p:cNvPr id="3" name="Notes Placeholder 2">
+            <a:extLst>
+              <a:ext uri="{FF2B5EF4-FFF2-40B4-BE49-F238E27FC236}">
+                <a16:creationId xmlns:a16="http://schemas.microsoft.com/office/drawing/2014/main" id="{8C7282CF-6FF8-0C14-7E5F-F8920E472027}"/>
+              </a:ext>
+            </a:extLst>
+          </p:cNvPr>
+          <p:cNvSpPr>
+            <a:spLocks noGrp="1"/>
+          </p:cNvSpPr>
+          <p:nvPr>
+            <p:ph type="body" idx="1"/>
+          </p:nvPr>
+        </p:nvSpPr>
+        <p:spPr/>
+        <p:txBody>
+          <a:bodyPr/>
+          <a:lstStyle/>
+          <a:p>
+            <a:endParaRPr lang="en-US" dirty="0"/>
+          </a:p>
+        </p:txBody>
+      </p:sp>
+      <p:sp>
+        <p:nvSpPr>
+          <p:cNvPr id="4" name="Slide Number Placeholder 3">
+            <a:extLst>
+              <a:ext uri="{FF2B5EF4-FFF2-40B4-BE49-F238E27FC236}">
+                <a16:creationId xmlns:a16="http://schemas.microsoft.com/office/drawing/2014/main" id="{D3DB0AC3-82A1-57D2-2191-C09398B77379}"/>
+              </a:ext>
+            </a:extLst>
+          </p:cNvPr>
+          <p:cNvSpPr>
+            <a:spLocks noGrp="1"/>
+          </p:cNvSpPr>
+          <p:nvPr>
+            <p:ph type="sldNum" sz="quarter" idx="5"/>
+          </p:nvPr>
+        </p:nvSpPr>
+        <p:spPr/>
+        <p:txBody>
+          <a:bodyPr/>
+          <a:lstStyle/>
+          <a:p>
+            <a:fld id="{362CD335-F0CB-D347-B8A5-7AB70F34C34F}" type="slidenum">
+              <a:rPr lang="en-US" smtClean="0"/>
+              <a:t>12</a:t>
+            </a:fld>
+            <a:endParaRPr lang="en-US"/>
+          </a:p>
+        </p:txBody>
+      </p:sp>
+    </p:spTree>
+    <p:extLst>
+      <p:ext uri="{BB962C8B-B14F-4D97-AF65-F5344CB8AC3E}">
+        <p14:creationId xmlns:p14="http://schemas.microsoft.com/office/powerpoint/2010/main" val="957358168"/>
       </p:ext>
     </p:extLst>
   </p:cSld>
@@ -10501,6 +10719,195 @@
         <p:cNvPr id="1" name="">
           <a:extLst>
             <a:ext uri="{FF2B5EF4-FFF2-40B4-BE49-F238E27FC236}">
+              <a16:creationId xmlns:a16="http://schemas.microsoft.com/office/drawing/2014/main" id="{5A5ED46C-F097-A7EE-1F1F-921A3161E5E1}"/>
+            </a:ext>
+          </a:extLst>
+        </p:cNvPr>
+        <p:cNvGrpSpPr/>
+        <p:nvPr/>
+      </p:nvGrpSpPr>
+      <p:grpSpPr>
+        <a:xfrm>
+          <a:off x="0" y="0"/>
+          <a:ext cx="0" cy="0"/>
+          <a:chOff x="0" y="0"/>
+          <a:chExt cx="0" cy="0"/>
+        </a:xfrm>
+      </p:grpSpPr>
+      <p:sp>
+        <p:nvSpPr>
+          <p:cNvPr id="2" name="Title 1">
+            <a:extLst>
+              <a:ext uri="{FF2B5EF4-FFF2-40B4-BE49-F238E27FC236}">
+                <a16:creationId xmlns:a16="http://schemas.microsoft.com/office/drawing/2014/main" id="{1057BB5E-55A7-29CE-7B0A-E9DEC8342AF5}"/>
+              </a:ext>
+            </a:extLst>
+          </p:cNvPr>
+          <p:cNvSpPr>
+            <a:spLocks noGrp="1"/>
+          </p:cNvSpPr>
+          <p:nvPr>
+            <p:ph type="title"/>
+          </p:nvPr>
+        </p:nvSpPr>
+        <p:spPr/>
+        <p:txBody>
+          <a:bodyPr/>
+          <a:lstStyle/>
+          <a:p>
+            <a:r>
+              <a:rPr lang="en-US" dirty="0"/>
+              <a:t>Building a webpage: HTML</a:t>
+            </a:r>
+          </a:p>
+        </p:txBody>
+      </p:sp>
+      <p:sp>
+        <p:nvSpPr>
+          <p:cNvPr id="4" name="TextBox 3">
+            <a:extLst>
+              <a:ext uri="{FF2B5EF4-FFF2-40B4-BE49-F238E27FC236}">
+                <a16:creationId xmlns:a16="http://schemas.microsoft.com/office/drawing/2014/main" id="{8C995D3E-F7E5-C8FC-9951-95A8892A9719}"/>
+              </a:ext>
+            </a:extLst>
+          </p:cNvPr>
+          <p:cNvSpPr txBox="1"/>
+          <p:nvPr/>
+        </p:nvSpPr>
+        <p:spPr>
+          <a:xfrm>
+            <a:off x="6900095" y="6323339"/>
+            <a:ext cx="4710713" cy="369332"/>
+          </a:xfrm>
+          <a:prstGeom prst="rect">
+            <a:avLst/>
+          </a:prstGeom>
+          <a:noFill/>
+        </p:spPr>
+        <p:txBody>
+          <a:bodyPr wrap="none" rtlCol="0">
+            <a:spAutoFit/>
+          </a:bodyPr>
+          <a:lstStyle/>
+          <a:p>
+            <a:r>
+              <a:rPr lang="en-US" dirty="0"/>
+              <a:t>https://www.w3schools.com/html/</a:t>
+            </a:r>
+            <a:r>
+              <a:rPr lang="en-US" dirty="0" err="1"/>
+              <a:t>html_intro.asp</a:t>
+            </a:r>
+            <a:endParaRPr lang="en-US" dirty="0"/>
+          </a:p>
+        </p:txBody>
+      </p:sp>
+      <p:sp>
+        <p:nvSpPr>
+          <p:cNvPr id="5" name="Content Placeholder 4">
+            <a:extLst>
+              <a:ext uri="{FF2B5EF4-FFF2-40B4-BE49-F238E27FC236}">
+                <a16:creationId xmlns:a16="http://schemas.microsoft.com/office/drawing/2014/main" id="{567A1AC4-F53B-1E67-01B4-F5B7C3ADFB08}"/>
+              </a:ext>
+            </a:extLst>
+          </p:cNvPr>
+          <p:cNvSpPr>
+            <a:spLocks noGrp="1"/>
+          </p:cNvSpPr>
+          <p:nvPr>
+            <p:ph idx="1"/>
+          </p:nvPr>
+        </p:nvSpPr>
+        <p:spPr/>
+        <p:txBody>
+          <a:bodyPr anchor="t">
+            <a:normAutofit/>
+          </a:bodyPr>
+          <a:lstStyle/>
+          <a:p>
+            <a:r>
+              <a:rPr lang="en-US" dirty="0"/>
+              <a:t>The &lt;!DOCTYPE html&gt; declaration defines that this document is an HTML5 document</a:t>
+            </a:r>
+          </a:p>
+          <a:p>
+            <a:r>
+              <a:rPr lang="en-US" dirty="0"/>
+              <a:t>The &lt;html&gt; element is the root element of an HTML page</a:t>
+            </a:r>
+          </a:p>
+          <a:p>
+            <a:r>
+              <a:rPr lang="en-US" dirty="0"/>
+              <a:t>The &lt;head&gt; element contains meta information about the HTML page</a:t>
+            </a:r>
+          </a:p>
+          <a:p>
+            <a:r>
+              <a:rPr lang="en-US" dirty="0"/>
+              <a:t>The &lt;title&gt; element specifies a title for the HTML page (shown in the browser's title bar or in the page's tab)</a:t>
+            </a:r>
+          </a:p>
+          <a:p>
+            <a:r>
+              <a:rPr lang="en-US" dirty="0"/>
+              <a:t>The &lt;body&gt; element defines the document's body, and is a container for all the visible contents</a:t>
+            </a:r>
+          </a:p>
+          <a:p>
+            <a:r>
+              <a:rPr lang="en-US" dirty="0"/>
+              <a:t>The &lt;h1&gt; element defines a large heading</a:t>
+            </a:r>
+          </a:p>
+          <a:p>
+            <a:r>
+              <a:rPr lang="en-US" dirty="0"/>
+              <a:t>The &lt;p&gt; element defines a paragraph</a:t>
+            </a:r>
+          </a:p>
+          <a:p>
+            <a:r>
+              <a:rPr lang="en-US" dirty="0"/>
+              <a:t>Complete tag reference: </a:t>
+            </a:r>
+            <a:r>
+              <a:rPr lang="en-US" dirty="0">
+                <a:hlinkClick r:id="rId3"/>
+              </a:rPr>
+              <a:t>https://www.w3schools.com/tags/default.asp</a:t>
+            </a:r>
+            <a:r>
+              <a:rPr lang="en-US" dirty="0"/>
+              <a:t> </a:t>
+            </a:r>
+          </a:p>
+          <a:p>
+            <a:endParaRPr lang="en-US" sz="2400" dirty="0"/>
+          </a:p>
+        </p:txBody>
+      </p:sp>
+    </p:spTree>
+    <p:extLst>
+      <p:ext uri="{BB962C8B-B14F-4D97-AF65-F5344CB8AC3E}">
+        <p14:creationId xmlns:p14="http://schemas.microsoft.com/office/powerpoint/2010/main" val="965035595"/>
+      </p:ext>
+    </p:extLst>
+  </p:cSld>
+  <p:clrMapOvr>
+    <a:masterClrMapping/>
+  </p:clrMapOvr>
+</p:sld>
+</file>
+
+<file path=ppt/slides/slide11.xml><?xml version="1.0" encoding="utf-8"?>
+<p:sld xmlns:a="http://schemas.openxmlformats.org/drawingml/2006/main" xmlns:r="http://schemas.openxmlformats.org/officeDocument/2006/relationships" xmlns:p="http://schemas.openxmlformats.org/presentationml/2006/main">
+  <p:cSld>
+    <p:spTree>
+      <p:nvGrpSpPr>
+        <p:cNvPr id="1" name="">
+          <a:extLst>
+            <a:ext uri="{FF2B5EF4-FFF2-40B4-BE49-F238E27FC236}">
               <a16:creationId xmlns:a16="http://schemas.microsoft.com/office/drawing/2014/main" id="{1133186C-DDB1-B10D-02FB-DFD3D94A6F77}"/>
             </a:ext>
           </a:extLst>
@@ -10648,6 +11055,241 @@
     <p:extLst>
       <p:ext uri="{BB962C8B-B14F-4D97-AF65-F5344CB8AC3E}">
         <p14:creationId xmlns:p14="http://schemas.microsoft.com/office/powerpoint/2010/main" val="3656477426"/>
+      </p:ext>
+    </p:extLst>
+  </p:cSld>
+  <p:clrMapOvr>
+    <a:masterClrMapping/>
+  </p:clrMapOvr>
+</p:sld>
+</file>
+
+<file path=ppt/slides/slide12.xml><?xml version="1.0" encoding="utf-8"?>
+<p:sld xmlns:a="http://schemas.openxmlformats.org/drawingml/2006/main" xmlns:r="http://schemas.openxmlformats.org/officeDocument/2006/relationships" xmlns:p="http://schemas.openxmlformats.org/presentationml/2006/main">
+  <p:cSld>
+    <p:spTree>
+      <p:nvGrpSpPr>
+        <p:cNvPr id="1" name="">
+          <a:extLst>
+            <a:ext uri="{FF2B5EF4-FFF2-40B4-BE49-F238E27FC236}">
+              <a16:creationId xmlns:a16="http://schemas.microsoft.com/office/drawing/2014/main" id="{14D6A23C-AC24-AEA9-B1D6-73E6917DCA10}"/>
+            </a:ext>
+          </a:extLst>
+        </p:cNvPr>
+        <p:cNvGrpSpPr/>
+        <p:nvPr/>
+      </p:nvGrpSpPr>
+      <p:grpSpPr>
+        <a:xfrm>
+          <a:off x="0" y="0"/>
+          <a:ext cx="0" cy="0"/>
+          <a:chOff x="0" y="0"/>
+          <a:chExt cx="0" cy="0"/>
+        </a:xfrm>
+      </p:grpSpPr>
+      <p:pic>
+        <p:nvPicPr>
+          <p:cNvPr id="11" name="Picture 10" descr="A screenshot of a computer&#10;&#10;AI-generated content may be incorrect.">
+            <a:extLst>
+              <a:ext uri="{FF2B5EF4-FFF2-40B4-BE49-F238E27FC236}">
+                <a16:creationId xmlns:a16="http://schemas.microsoft.com/office/drawing/2014/main" id="{D52E917B-79AE-4870-110A-6892517F0252}"/>
+              </a:ext>
+            </a:extLst>
+          </p:cNvPr>
+          <p:cNvPicPr>
+            <a:picLocks noChangeAspect="1"/>
+          </p:cNvPicPr>
+          <p:nvPr/>
+        </p:nvPicPr>
+        <p:blipFill>
+          <a:blip r:embed="rId3"/>
+          <a:stretch>
+            <a:fillRect/>
+          </a:stretch>
+        </p:blipFill>
+        <p:spPr>
+          <a:xfrm>
+            <a:off x="3778710" y="2302328"/>
+            <a:ext cx="10459803" cy="12415813"/>
+          </a:xfrm>
+          <a:prstGeom prst="rect">
+            <a:avLst/>
+          </a:prstGeom>
+        </p:spPr>
+      </p:pic>
+      <p:sp>
+        <p:nvSpPr>
+          <p:cNvPr id="2" name="Title 1">
+            <a:extLst>
+              <a:ext uri="{FF2B5EF4-FFF2-40B4-BE49-F238E27FC236}">
+                <a16:creationId xmlns:a16="http://schemas.microsoft.com/office/drawing/2014/main" id="{6A330031-7237-4B7D-BF12-43C4BE623606}"/>
+              </a:ext>
+            </a:extLst>
+          </p:cNvPr>
+          <p:cNvSpPr>
+            <a:spLocks noGrp="1"/>
+          </p:cNvSpPr>
+          <p:nvPr>
+            <p:ph type="title"/>
+          </p:nvPr>
+        </p:nvSpPr>
+        <p:spPr/>
+        <p:txBody>
+          <a:bodyPr/>
+          <a:lstStyle/>
+          <a:p>
+            <a:r>
+              <a:rPr lang="en-US" dirty="0"/>
+              <a:t>Styling a webpage: CSS</a:t>
+            </a:r>
+          </a:p>
+        </p:txBody>
+      </p:sp>
+      <p:sp>
+        <p:nvSpPr>
+          <p:cNvPr id="4" name="TextBox 3">
+            <a:extLst>
+              <a:ext uri="{FF2B5EF4-FFF2-40B4-BE49-F238E27FC236}">
+                <a16:creationId xmlns:a16="http://schemas.microsoft.com/office/drawing/2014/main" id="{6169C4BA-A69B-8AEF-CBA7-4F2922F0A6A3}"/>
+              </a:ext>
+            </a:extLst>
+          </p:cNvPr>
+          <p:cNvSpPr txBox="1"/>
+          <p:nvPr/>
+        </p:nvSpPr>
+        <p:spPr>
+          <a:xfrm>
+            <a:off x="6900095" y="6323339"/>
+            <a:ext cx="4710713" cy="369332"/>
+          </a:xfrm>
+          <a:prstGeom prst="rect">
+            <a:avLst/>
+          </a:prstGeom>
+          <a:noFill/>
+        </p:spPr>
+        <p:txBody>
+          <a:bodyPr wrap="none" rtlCol="0">
+            <a:spAutoFit/>
+          </a:bodyPr>
+          <a:lstStyle/>
+          <a:p>
+            <a:r>
+              <a:rPr lang="en-US" dirty="0"/>
+              <a:t>https://www.w3schools.com/html/</a:t>
+            </a:r>
+            <a:r>
+              <a:rPr lang="en-US" dirty="0" err="1"/>
+              <a:t>html_intro.asp</a:t>
+            </a:r>
+            <a:endParaRPr lang="en-US" dirty="0"/>
+          </a:p>
+        </p:txBody>
+      </p:sp>
+      <p:sp>
+        <p:nvSpPr>
+          <p:cNvPr id="5" name="Content Placeholder 4">
+            <a:extLst>
+              <a:ext uri="{FF2B5EF4-FFF2-40B4-BE49-F238E27FC236}">
+                <a16:creationId xmlns:a16="http://schemas.microsoft.com/office/drawing/2014/main" id="{66D0EF2F-B884-7937-C51E-B8637A98080D}"/>
+              </a:ext>
+            </a:extLst>
+          </p:cNvPr>
+          <p:cNvSpPr>
+            <a:spLocks noGrp="1"/>
+          </p:cNvSpPr>
+          <p:nvPr>
+            <p:ph idx="1"/>
+          </p:nvPr>
+        </p:nvSpPr>
+        <p:spPr/>
+        <p:txBody>
+          <a:bodyPr anchor="t">
+            <a:normAutofit/>
+          </a:bodyPr>
+          <a:lstStyle/>
+          <a:p>
+            <a:r>
+              <a:rPr lang="en-US" sz="2400" dirty="0"/>
+              <a:t>An HTML file is is </a:t>
+            </a:r>
+            <a:r>
+              <a:rPr lang="en-US" sz="2400" dirty="0">
+                <a:latin typeface="Consolas" panose="020B0609020204030204" pitchFamily="49" charset="0"/>
+                <a:cs typeface="Consolas" panose="020B0609020204030204" pitchFamily="49" charset="0"/>
+              </a:rPr>
+              <a:t>link</a:t>
+            </a:r>
+            <a:r>
+              <a:rPr lang="en-US" sz="2400" dirty="0"/>
+              <a:t>ed to a CSS file </a:t>
+            </a:r>
+          </a:p>
+        </p:txBody>
+      </p:sp>
+      <p:sp>
+        <p:nvSpPr>
+          <p:cNvPr id="15" name="Rounded Rectangle 14">
+            <a:extLst>
+              <a:ext uri="{FF2B5EF4-FFF2-40B4-BE49-F238E27FC236}">
+                <a16:creationId xmlns:a16="http://schemas.microsoft.com/office/drawing/2014/main" id="{B46E8E9C-FC27-83C3-0E4C-4A05B9A1C1F3}"/>
+              </a:ext>
+            </a:extLst>
+          </p:cNvPr>
+          <p:cNvSpPr/>
+          <p:nvPr/>
+        </p:nvSpPr>
+        <p:spPr>
+          <a:xfrm>
+            <a:off x="5666013" y="4425045"/>
+            <a:ext cx="4098472" cy="391885"/>
+          </a:xfrm>
+          <a:prstGeom prst="roundRect">
+            <a:avLst/>
+          </a:prstGeom>
+          <a:noFill/>
+          <a:ln>
+            <a:solidFill>
+              <a:srgbClr val="FFC000"/>
+            </a:solidFill>
+          </a:ln>
+          <a:effectLst>
+            <a:glow rad="228600">
+              <a:schemeClr val="accent5">
+                <a:satMod val="175000"/>
+                <a:alpha val="40000"/>
+              </a:schemeClr>
+            </a:glow>
+          </a:effectLst>
+        </p:spPr>
+        <p:style>
+          <a:lnRef idx="2">
+            <a:schemeClr val="accent1">
+              <a:shade val="15000"/>
+            </a:schemeClr>
+          </a:lnRef>
+          <a:fillRef idx="1">
+            <a:schemeClr val="accent1"/>
+          </a:fillRef>
+          <a:effectRef idx="0">
+            <a:schemeClr val="accent1"/>
+          </a:effectRef>
+          <a:fontRef idx="minor">
+            <a:schemeClr val="lt1"/>
+          </a:fontRef>
+        </p:style>
+        <p:txBody>
+          <a:bodyPr rtlCol="0" anchor="ctr"/>
+          <a:lstStyle/>
+          <a:p>
+            <a:pPr algn="ctr"/>
+            <a:endParaRPr lang="en-US"/>
+          </a:p>
+        </p:txBody>
+      </p:sp>
+    </p:spTree>
+    <p:extLst>
+      <p:ext uri="{BB962C8B-B14F-4D97-AF65-F5344CB8AC3E}">
+        <p14:creationId xmlns:p14="http://schemas.microsoft.com/office/powerpoint/2010/main" val="4292455449"/>
       </p:ext>
     </p:extLst>
   </p:cSld>
@@ -12392,7 +13034,7 @@
         <p:cNvPr id="1" name="">
           <a:extLst>
             <a:ext uri="{FF2B5EF4-FFF2-40B4-BE49-F238E27FC236}">
-              <a16:creationId xmlns:a16="http://schemas.microsoft.com/office/drawing/2014/main" id="{5A5ED46C-F097-A7EE-1F1F-921A3161E5E1}"/>
+              <a16:creationId xmlns:a16="http://schemas.microsoft.com/office/drawing/2014/main" id="{6518738A-2A4E-7DD4-2CD2-FAF561DB718D}"/>
             </a:ext>
           </a:extLst>
         </p:cNvPr>
@@ -12412,7 +13054,7 @@
           <p:cNvPr id="2" name="Title 1">
             <a:extLst>
               <a:ext uri="{FF2B5EF4-FFF2-40B4-BE49-F238E27FC236}">
-                <a16:creationId xmlns:a16="http://schemas.microsoft.com/office/drawing/2014/main" id="{1057BB5E-55A7-29CE-7B0A-E9DEC8342AF5}"/>
+                <a16:creationId xmlns:a16="http://schemas.microsoft.com/office/drawing/2014/main" id="{D3E4CBA4-CC03-E46E-93B8-0366744B84AD}"/>
               </a:ext>
             </a:extLst>
           </p:cNvPr>
@@ -12440,7 +13082,7 @@
           <p:cNvPr id="4" name="TextBox 3">
             <a:extLst>
               <a:ext uri="{FF2B5EF4-FFF2-40B4-BE49-F238E27FC236}">
-                <a16:creationId xmlns:a16="http://schemas.microsoft.com/office/drawing/2014/main" id="{8C995D3E-F7E5-C8FC-9951-95A8892A9719}"/>
+                <a16:creationId xmlns:a16="http://schemas.microsoft.com/office/drawing/2014/main" id="{54E4C91A-4EC9-897E-3DA0-90C2D9337F32}"/>
               </a:ext>
             </a:extLst>
           </p:cNvPr>
@@ -12480,7 +13122,7 @@
           <p:cNvPr id="5" name="Content Placeholder 4">
             <a:extLst>
               <a:ext uri="{FF2B5EF4-FFF2-40B4-BE49-F238E27FC236}">
-                <a16:creationId xmlns:a16="http://schemas.microsoft.com/office/drawing/2014/main" id="{567A1AC4-F53B-1E67-01B4-F5B7C3ADFB08}"/>
+                <a16:creationId xmlns:a16="http://schemas.microsoft.com/office/drawing/2014/main" id="{AC6DF631-436D-B085-9AA4-942FBA9808E5}"/>
               </a:ext>
             </a:extLst>
           </p:cNvPr>
@@ -12491,79 +13133,62 @@
             <p:ph idx="1"/>
           </p:nvPr>
         </p:nvSpPr>
-        <p:spPr/>
+        <p:spPr>
+          <a:xfrm>
+            <a:off x="581193" y="2180496"/>
+            <a:ext cx="4207784" cy="3678303"/>
+          </a:xfrm>
+        </p:spPr>
         <p:txBody>
           <a:bodyPr anchor="t">
             <a:normAutofit/>
           </a:bodyPr>
           <a:lstStyle/>
           <a:p>
-            <a:r>
-              <a:rPr lang="en-US" dirty="0"/>
-              <a:t>The &lt;!DOCTYPE html&gt; declaration defines that this document is an HTML5 document</a:t>
-            </a:r>
-          </a:p>
-          <a:p>
-            <a:r>
-              <a:rPr lang="en-US" dirty="0"/>
-              <a:t>The &lt;html&gt; element is the root element of an HTML page</a:t>
-            </a:r>
-          </a:p>
-          <a:p>
-            <a:r>
-              <a:rPr lang="en-US" dirty="0"/>
-              <a:t>The &lt;head&gt; element contains meta information about the HTML page</a:t>
-            </a:r>
-          </a:p>
-          <a:p>
-            <a:r>
-              <a:rPr lang="en-US" dirty="0"/>
-              <a:t>The &lt;title&gt; element specifies a title for the HTML page (shown in the browser's title bar or in the page's tab)</a:t>
-            </a:r>
-          </a:p>
-          <a:p>
-            <a:r>
-              <a:rPr lang="en-US" dirty="0"/>
-              <a:t>The &lt;body&gt; element defines the document's body, and is a container for all the visible contents</a:t>
-            </a:r>
-          </a:p>
-          <a:p>
-            <a:r>
-              <a:rPr lang="en-US" dirty="0"/>
-              <a:t>The &lt;h1&gt; element defines a large heading</a:t>
-            </a:r>
-          </a:p>
-          <a:p>
-            <a:r>
-              <a:rPr lang="en-US" dirty="0"/>
-              <a:t>The &lt;p&gt; element defines a paragraph</a:t>
-            </a:r>
-          </a:p>
-          <a:p>
-            <a:r>
-              <a:rPr lang="en-US" dirty="0"/>
-              <a:t>Complete tag reference: </a:t>
-            </a:r>
-            <a:r>
-              <a:rPr lang="en-US" dirty="0">
-                <a:hlinkClick r:id="rId3"/>
-              </a:rPr>
-              <a:t>https://www.w3schools.com/tags/default.asp</a:t>
-            </a:r>
-            <a:r>
-              <a:rPr lang="en-US" dirty="0"/>
-              <a:t> </a:t>
-            </a:r>
-          </a:p>
-          <a:p>
-            <a:endParaRPr lang="en-US" sz="2400" dirty="0"/>
+            <a:pPr marL="0" indent="0">
+              <a:buNone/>
+            </a:pPr>
+            <a:r>
+              <a:rPr lang="en-US" sz="2400" dirty="0"/>
+              <a:t>Your turn: Draw the DOM for this webpage</a:t>
+            </a:r>
           </a:p>
         </p:txBody>
       </p:sp>
+      <p:pic>
+        <p:nvPicPr>
+          <p:cNvPr id="11" name="Picture 10" descr="A screenshot of a computer&#10;&#10;AI-generated content may be incorrect.">
+            <a:extLst>
+              <a:ext uri="{FF2B5EF4-FFF2-40B4-BE49-F238E27FC236}">
+                <a16:creationId xmlns:a16="http://schemas.microsoft.com/office/drawing/2014/main" id="{B6845CD9-21D2-F599-E1F2-578E05A4872B}"/>
+              </a:ext>
+            </a:extLst>
+          </p:cNvPr>
+          <p:cNvPicPr>
+            <a:picLocks noChangeAspect="1"/>
+          </p:cNvPicPr>
+          <p:nvPr/>
+        </p:nvPicPr>
+        <p:blipFill>
+          <a:blip r:embed="rId3"/>
+          <a:stretch>
+            <a:fillRect/>
+          </a:stretch>
+        </p:blipFill>
+        <p:spPr>
+          <a:xfrm>
+            <a:off x="4788977" y="702156"/>
+            <a:ext cx="9051009" cy="10743571"/>
+          </a:xfrm>
+          <a:prstGeom prst="rect">
+            <a:avLst/>
+          </a:prstGeom>
+        </p:spPr>
+      </p:pic>
     </p:spTree>
     <p:extLst>
       <p:ext uri="{BB962C8B-B14F-4D97-AF65-F5344CB8AC3E}">
-        <p14:creationId xmlns:p14="http://schemas.microsoft.com/office/powerpoint/2010/main" val="965035595"/>
+        <p14:creationId xmlns:p14="http://schemas.microsoft.com/office/powerpoint/2010/main" val="1925624716"/>
       </p:ext>
     </p:extLst>
   </p:cSld>
